--- a/ZwischenstandsPräsentation/Präsentationsvorlage_Team_Eggs&Bacon.pptx
+++ b/ZwischenstandsPräsentation/Präsentationsvorlage_Team_Eggs&Bacon.pptx
@@ -112,6 +112,11 @@
       </a:defRPr>
     </a:lvl9pPr>
   </p:defaultTextStyle>
+  <p:extLst>
+    <p:ext uri="{EFAFB233-063F-42B5-8137-9DF3F51BA10A}">
+      <p15:sldGuideLst xmlns:p15="http://schemas.microsoft.com/office/powerpoint/2012/main"/>
+    </p:ext>
+  </p:extLst>
 </p:presentation>
 </file>
 
@@ -197,7 +202,7 @@
           <a:p>
             <a:fld id="{398C6B7F-DE70-4723-AEA0-F3505BEE67B9}" type="datetimeFigureOut">
               <a:rPr lang="de-DE" smtClean="0"/>
-              <a:t>01.07.2020</a:t>
+              <a:t>02.07.2020</a:t>
             </a:fld>
             <a:endParaRPr lang="de-DE"/>
           </a:p>
@@ -4602,7 +4607,7 @@
             <a:pPr algn="ctr"/>
             <a:r>
               <a:rPr lang="de-DE" sz="9600" dirty="0"/>
-              <a:t>Frage Runde</a:t>
+              <a:t>Fragerunde</a:t>
             </a:r>
           </a:p>
         </p:txBody>
